--- a/Attend-in_Sprint1.pptx
+++ b/Attend-in_Sprint1.pptx
@@ -13,14 +13,17 @@
     <p:sldId id="261" r:id="rId7"/>
     <p:sldId id="267" r:id="rId8"/>
     <p:sldId id="262" r:id="rId9"/>
-    <p:sldId id="265" r:id="rId10"/>
-    <p:sldId id="266" r:id="rId11"/>
-    <p:sldId id="268" r:id="rId12"/>
-    <p:sldId id="269" r:id="rId13"/>
-    <p:sldId id="270" r:id="rId14"/>
-    <p:sldId id="264" r:id="rId15"/>
-    <p:sldId id="263" r:id="rId16"/>
-    <p:sldId id="271" r:id="rId17"/>
+    <p:sldId id="274" r:id="rId10"/>
+    <p:sldId id="265" r:id="rId11"/>
+    <p:sldId id="266" r:id="rId12"/>
+    <p:sldId id="272" r:id="rId13"/>
+    <p:sldId id="273" r:id="rId14"/>
+    <p:sldId id="268" r:id="rId15"/>
+    <p:sldId id="269" r:id="rId16"/>
+    <p:sldId id="270" r:id="rId17"/>
+    <p:sldId id="264" r:id="rId18"/>
+    <p:sldId id="263" r:id="rId19"/>
+    <p:sldId id="271" r:id="rId20"/>
   </p:sldIdLst>
   <p:sldSz cx="12192000" cy="6858000"/>
   <p:notesSz cx="6858000" cy="9144000"/>
@@ -119,6 +122,11 @@
       </a:defRPr>
     </a:lvl9pPr>
   </p:defaultTextStyle>
+  <p:extLst>
+    <p:ext uri="{EFAFB233-063F-42B5-8137-9DF3F51BA10A}">
+      <p15:sldGuideLst xmlns:p15="http://schemas.microsoft.com/office/powerpoint/2012/main"/>
+    </p:ext>
+  </p:extLst>
 </p:presentation>
 </file>
 
@@ -261,7 +269,7 @@
           <a:p>
             <a:fld id="{48A87A34-81AB-432B-8DAE-1953F412C126}" type="datetimeFigureOut">
               <a:rPr lang="en-US" dirty="0"/>
-              <a:t>9/29/2019</a:t>
+              <a:t>10/1/2019</a:t>
             </a:fld>
             <a:endParaRPr lang="en-US" dirty="0"/>
           </a:p>
@@ -467,7 +475,7 @@
           <a:p>
             <a:fld id="{48A87A34-81AB-432B-8DAE-1953F412C126}" type="datetimeFigureOut">
               <a:rPr lang="en-US" dirty="0"/>
-              <a:t>9/29/2019</a:t>
+              <a:t>10/1/2019</a:t>
             </a:fld>
             <a:endParaRPr lang="en-US" dirty="0"/>
           </a:p>
@@ -677,7 +685,7 @@
           <a:p>
             <a:fld id="{48A87A34-81AB-432B-8DAE-1953F412C126}" type="datetimeFigureOut">
               <a:rPr lang="en-US" dirty="0"/>
-              <a:t>9/29/2019</a:t>
+              <a:t>10/1/2019</a:t>
             </a:fld>
             <a:endParaRPr lang="en-US" dirty="0"/>
           </a:p>
@@ -873,7 +881,7 @@
           <a:p>
             <a:fld id="{48A87A34-81AB-432B-8DAE-1953F412C126}" type="datetimeFigureOut">
               <a:rPr lang="en-US" dirty="0"/>
-              <a:t>9/29/2019</a:t>
+              <a:t>10/1/2019</a:t>
             </a:fld>
             <a:endParaRPr lang="en-US" dirty="0"/>
           </a:p>
@@ -1147,7 +1155,7 @@
           <a:p>
             <a:fld id="{48A87A34-81AB-432B-8DAE-1953F412C126}" type="datetimeFigureOut">
               <a:rPr lang="en-US" dirty="0"/>
-              <a:t>9/29/2019</a:t>
+              <a:t>10/1/2019</a:t>
             </a:fld>
             <a:endParaRPr lang="en-US" dirty="0"/>
           </a:p>
@@ -1410,7 +1418,7 @@
           <a:p>
             <a:fld id="{48A87A34-81AB-432B-8DAE-1953F412C126}" type="datetimeFigureOut">
               <a:rPr lang="en-US" dirty="0"/>
-              <a:t>9/29/2019</a:t>
+              <a:t>10/1/2019</a:t>
             </a:fld>
             <a:endParaRPr lang="en-US" dirty="0"/>
           </a:p>
@@ -1821,7 +1829,7 @@
           <a:p>
             <a:fld id="{48A87A34-81AB-432B-8DAE-1953F412C126}" type="datetimeFigureOut">
               <a:rPr lang="en-US" dirty="0"/>
-              <a:t>9/29/2019</a:t>
+              <a:t>10/1/2019</a:t>
             </a:fld>
             <a:endParaRPr lang="en-US" dirty="0"/>
           </a:p>
@@ -1965,7 +1973,7 @@
           <a:p>
             <a:fld id="{48A87A34-81AB-432B-8DAE-1953F412C126}" type="datetimeFigureOut">
               <a:rPr lang="en-US" dirty="0"/>
-              <a:t>9/29/2019</a:t>
+              <a:t>10/1/2019</a:t>
             </a:fld>
             <a:endParaRPr lang="en-US" dirty="0"/>
           </a:p>
@@ -2086,7 +2094,7 @@
           <a:p>
             <a:fld id="{48A87A34-81AB-432B-8DAE-1953F412C126}" type="datetimeFigureOut">
               <a:rPr lang="en-US" dirty="0"/>
-              <a:t>9/29/2019</a:t>
+              <a:t>10/1/2019</a:t>
             </a:fld>
             <a:endParaRPr lang="en-US" dirty="0"/>
           </a:p>
@@ -2332,7 +2340,7 @@
           <a:p>
             <a:fld id="{48A87A34-81AB-432B-8DAE-1953F412C126}" type="datetimeFigureOut">
               <a:rPr lang="en-US" dirty="0"/>
-              <a:t>9/29/2019</a:t>
+              <a:t>10/1/2019</a:t>
             </a:fld>
             <a:endParaRPr lang="en-US" dirty="0"/>
           </a:p>
@@ -2773,7 +2781,7 @@
             <a:fld id="{48A87A34-81AB-432B-8DAE-1953F412C126}" type="datetimeFigureOut">
               <a:rPr lang="en-US" dirty="0"/>
               <a:pPr/>
-              <a:t>9/29/2019</a:t>
+              <a:t>10/1/2019</a:t>
             </a:fld>
             <a:endParaRPr lang="en-US" dirty="0"/>
           </a:p>
@@ -3096,7 +3104,7 @@
             <a:fld id="{48A87A34-81AB-432B-8DAE-1953F412C126}" type="datetimeFigureOut">
               <a:rPr lang="en-US" dirty="0"/>
               <a:pPr/>
-              <a:t>9/29/2019</a:t>
+              <a:t>10/1/2019</a:t>
             </a:fld>
             <a:endParaRPr lang="en-US" dirty="0"/>
           </a:p>
@@ -3690,7 +3698,7 @@
           <p:cNvPr id="2" name="Title 1">
             <a:extLst>
               <a:ext uri="{FF2B5EF4-FFF2-40B4-BE49-F238E27FC236}">
-                <a16:creationId xmlns:a16="http://schemas.microsoft.com/office/drawing/2014/main" id="{F6C1A7C4-C94A-44C9-8BBB-E6FC52DBE2B0}"/>
+                <a16:creationId xmlns:a16="http://schemas.microsoft.com/office/drawing/2014/main" id="{3EFAE67F-3F16-46BC-97E1-90CDB8E5B9B6}"/>
               </a:ext>
             </a:extLst>
           </p:cNvPr>
@@ -3708,17 +3716,17 @@
           <a:p>
             <a:r>
               <a:rPr lang="en-US" dirty="0"/>
-              <a:t>State diagram: teacher view</a:t>
+              <a:t>State diagram: student view</a:t>
             </a:r>
           </a:p>
         </p:txBody>
       </p:sp>
       <p:pic>
         <p:nvPicPr>
-          <p:cNvPr id="5" name="Content Placeholder 4">
+          <p:cNvPr id="7" name="Content Placeholder 6">
             <a:extLst>
               <a:ext uri="{FF2B5EF4-FFF2-40B4-BE49-F238E27FC236}">
-                <a16:creationId xmlns:a16="http://schemas.microsoft.com/office/drawing/2014/main" id="{8412EE1A-5D7D-4137-8A39-298F181F2E3C}"/>
+                <a16:creationId xmlns:a16="http://schemas.microsoft.com/office/drawing/2014/main" id="{A3A029F5-4919-45C8-868E-C4CDB7105F72}"/>
               </a:ext>
             </a:extLst>
           </p:cNvPr>
@@ -3737,15 +3745,15 @@
         </p:blipFill>
         <p:spPr>
           <a:xfrm>
-            <a:off x="2955292" y="2016125"/>
-            <a:ext cx="6595740" cy="3449638"/>
+            <a:off x="2441489" y="2016125"/>
+            <a:ext cx="7623346" cy="3449638"/>
           </a:xfrm>
         </p:spPr>
       </p:pic>
     </p:spTree>
     <p:extLst>
       <p:ext uri="{BB962C8B-B14F-4D97-AF65-F5344CB8AC3E}">
-        <p14:creationId xmlns:p14="http://schemas.microsoft.com/office/powerpoint/2010/main" val="1348431141"/>
+        <p14:creationId xmlns:p14="http://schemas.microsoft.com/office/powerpoint/2010/main" val="440228663"/>
       </p:ext>
     </p:extLst>
   </p:cSld>
@@ -3777,7 +3785,7 @@
           <p:cNvPr id="2" name="Title 1">
             <a:extLst>
               <a:ext uri="{FF2B5EF4-FFF2-40B4-BE49-F238E27FC236}">
-                <a16:creationId xmlns:a16="http://schemas.microsoft.com/office/drawing/2014/main" id="{3DD960E9-1524-48C3-B4CC-EB4DFDD75D10}"/>
+                <a16:creationId xmlns:a16="http://schemas.microsoft.com/office/drawing/2014/main" id="{F6C1A7C4-C94A-44C9-8BBB-E6FC52DBE2B0}"/>
               </a:ext>
             </a:extLst>
           </p:cNvPr>
@@ -3795,40 +3803,44 @@
           <a:p>
             <a:r>
               <a:rPr lang="en-US" dirty="0"/>
-              <a:t>Use case diagram 1</a:t>
-            </a:r>
-          </a:p>
-        </p:txBody>
-      </p:sp>
-      <p:sp>
-        <p:nvSpPr>
-          <p:cNvPr id="3" name="Content Placeholder 2">
+              <a:t>State diagram: teacher view</a:t>
+            </a:r>
+          </a:p>
+        </p:txBody>
+      </p:sp>
+      <p:pic>
+        <p:nvPicPr>
+          <p:cNvPr id="7" name="Content Placeholder 6">
             <a:extLst>
               <a:ext uri="{FF2B5EF4-FFF2-40B4-BE49-F238E27FC236}">
-                <a16:creationId xmlns:a16="http://schemas.microsoft.com/office/drawing/2014/main" id="{DB47791E-BCB4-42B7-8375-8B337EB59191}"/>
+                <a16:creationId xmlns:a16="http://schemas.microsoft.com/office/drawing/2014/main" id="{D877783D-DDAD-4021-B82A-242C97356A10}"/>
               </a:ext>
             </a:extLst>
           </p:cNvPr>
-          <p:cNvSpPr>
-            <a:spLocks noGrp="1"/>
-          </p:cNvSpPr>
+          <p:cNvPicPr>
+            <a:picLocks noGrp="1" noChangeAspect="1"/>
+          </p:cNvPicPr>
           <p:nvPr>
             <p:ph idx="1"/>
           </p:nvPr>
-        </p:nvSpPr>
-        <p:spPr/>
-        <p:txBody>
-          <a:bodyPr/>
-          <a:lstStyle/>
-          <a:p>
-            <a:endParaRPr lang="en-US"/>
-          </a:p>
-        </p:txBody>
-      </p:sp>
+        </p:nvPicPr>
+        <p:blipFill>
+          <a:blip r:embed="rId2"/>
+          <a:stretch>
+            <a:fillRect/>
+          </a:stretch>
+        </p:blipFill>
+        <p:spPr>
+          <a:xfrm>
+            <a:off x="2672856" y="2016125"/>
+            <a:ext cx="7160612" cy="3449638"/>
+          </a:xfrm>
+        </p:spPr>
+      </p:pic>
     </p:spTree>
     <p:extLst>
       <p:ext uri="{BB962C8B-B14F-4D97-AF65-F5344CB8AC3E}">
-        <p14:creationId xmlns:p14="http://schemas.microsoft.com/office/powerpoint/2010/main" val="2227317300"/>
+        <p14:creationId xmlns:p14="http://schemas.microsoft.com/office/powerpoint/2010/main" val="1348431141"/>
       </p:ext>
     </p:extLst>
   </p:cSld>
@@ -3860,7 +3872,7 @@
           <p:cNvPr id="2" name="Title 1">
             <a:extLst>
               <a:ext uri="{FF2B5EF4-FFF2-40B4-BE49-F238E27FC236}">
-                <a16:creationId xmlns:a16="http://schemas.microsoft.com/office/drawing/2014/main" id="{B96E2B2B-266A-4DE7-9C96-611617897657}"/>
+                <a16:creationId xmlns:a16="http://schemas.microsoft.com/office/drawing/2014/main" id="{C4566496-522D-4A1B-8753-6F22B62946F5}"/>
               </a:ext>
             </a:extLst>
           </p:cNvPr>
@@ -3878,7 +3890,7 @@
           <a:p>
             <a:r>
               <a:rPr lang="en-US" dirty="0"/>
-              <a:t>Use case diagram 2</a:t>
+              <a:t>Sequence diagram (teacher)</a:t>
             </a:r>
           </a:p>
         </p:txBody>
@@ -3888,7 +3900,7 @@
           <p:cNvPr id="3" name="Content Placeholder 2">
             <a:extLst>
               <a:ext uri="{FF2B5EF4-FFF2-40B4-BE49-F238E27FC236}">
-                <a16:creationId xmlns:a16="http://schemas.microsoft.com/office/drawing/2014/main" id="{1FA8A2E5-C5C7-4095-878D-AA69DBC0C5F5}"/>
+                <a16:creationId xmlns:a16="http://schemas.microsoft.com/office/drawing/2014/main" id="{C20B14DD-0628-4D06-95D5-1949B846C8F5}"/>
               </a:ext>
             </a:extLst>
           </p:cNvPr>
@@ -3911,7 +3923,7 @@
     </p:spTree>
     <p:extLst>
       <p:ext uri="{BB962C8B-B14F-4D97-AF65-F5344CB8AC3E}">
-        <p14:creationId xmlns:p14="http://schemas.microsoft.com/office/powerpoint/2010/main" val="2752654192"/>
+        <p14:creationId xmlns:p14="http://schemas.microsoft.com/office/powerpoint/2010/main" val="3078424371"/>
       </p:ext>
     </p:extLst>
   </p:cSld>
@@ -3943,7 +3955,7 @@
           <p:cNvPr id="2" name="Title 1">
             <a:extLst>
               <a:ext uri="{FF2B5EF4-FFF2-40B4-BE49-F238E27FC236}">
-                <a16:creationId xmlns:a16="http://schemas.microsoft.com/office/drawing/2014/main" id="{4C37A9A8-AC6D-4A2B-9CD2-9DD14A8B6362}"/>
+                <a16:creationId xmlns:a16="http://schemas.microsoft.com/office/drawing/2014/main" id="{5B840497-F05F-41C5-9AE6-504BDB32DD17}"/>
               </a:ext>
             </a:extLst>
           </p:cNvPr>
@@ -3961,7 +3973,7 @@
           <a:p>
             <a:r>
               <a:rPr lang="en-US" dirty="0"/>
-              <a:t>Use case diagram 3</a:t>
+              <a:t>Sequence diagram (student)</a:t>
             </a:r>
           </a:p>
         </p:txBody>
@@ -3971,7 +3983,7 @@
           <p:cNvPr id="3" name="Content Placeholder 2">
             <a:extLst>
               <a:ext uri="{FF2B5EF4-FFF2-40B4-BE49-F238E27FC236}">
-                <a16:creationId xmlns:a16="http://schemas.microsoft.com/office/drawing/2014/main" id="{16000A79-1300-4A82-8FC0-D6176D4DC99D}"/>
+                <a16:creationId xmlns:a16="http://schemas.microsoft.com/office/drawing/2014/main" id="{8BB93A66-2E5A-4C04-AE00-3141ED5BD7F9}"/>
               </a:ext>
             </a:extLst>
           </p:cNvPr>
@@ -3994,7 +4006,7 @@
     </p:spTree>
     <p:extLst>
       <p:ext uri="{BB962C8B-B14F-4D97-AF65-F5344CB8AC3E}">
-        <p14:creationId xmlns:p14="http://schemas.microsoft.com/office/powerpoint/2010/main" val="1355400158"/>
+        <p14:creationId xmlns:p14="http://schemas.microsoft.com/office/powerpoint/2010/main" val="3836399105"/>
       </p:ext>
     </p:extLst>
   </p:cSld>
@@ -4026,7 +4038,7 @@
           <p:cNvPr id="2" name="Title 1">
             <a:extLst>
               <a:ext uri="{FF2B5EF4-FFF2-40B4-BE49-F238E27FC236}">
-                <a16:creationId xmlns:a16="http://schemas.microsoft.com/office/drawing/2014/main" id="{5B4E281E-C31D-4955-8BA3-D41758E56E3B}"/>
+                <a16:creationId xmlns:a16="http://schemas.microsoft.com/office/drawing/2014/main" id="{3DD960E9-1524-48C3-B4CC-EB4DFDD75D10}"/>
               </a:ext>
             </a:extLst>
           </p:cNvPr>
@@ -4044,43 +4056,44 @@
           <a:p>
             <a:r>
               <a:rPr lang="en-US" dirty="0"/>
-              <a:t>Burndown chart</a:t>
-            </a:r>
-          </a:p>
-        </p:txBody>
-      </p:sp>
-      <p:sp>
-        <p:nvSpPr>
-          <p:cNvPr id="3" name="Content Placeholder 2">
+              <a:t>Teacher Use case diagram </a:t>
+            </a:r>
+          </a:p>
+        </p:txBody>
+      </p:sp>
+      <p:pic>
+        <p:nvPicPr>
+          <p:cNvPr id="5" name="Content Placeholder 4">
             <a:extLst>
               <a:ext uri="{FF2B5EF4-FFF2-40B4-BE49-F238E27FC236}">
-                <a16:creationId xmlns:a16="http://schemas.microsoft.com/office/drawing/2014/main" id="{62902AEA-6F0E-4F75-BA38-1CEEA0688596}"/>
+                <a16:creationId xmlns:a16="http://schemas.microsoft.com/office/drawing/2014/main" id="{B2CBE73C-9C49-4301-B225-6D1D50121ECE}"/>
               </a:ext>
             </a:extLst>
           </p:cNvPr>
-          <p:cNvSpPr>
-            <a:spLocks noGrp="1"/>
-          </p:cNvSpPr>
+          <p:cNvPicPr>
+            <a:picLocks noGrp="1" noChangeAspect="1"/>
+          </p:cNvPicPr>
           <p:nvPr>
             <p:ph idx="1"/>
           </p:nvPr>
-        </p:nvSpPr>
-        <p:spPr/>
-        <p:txBody>
-          <a:bodyPr/>
-          <a:lstStyle/>
-          <a:p>
-            <a:r>
-              <a:rPr lang="en-US" dirty="0"/>
-              <a:t>[programmers have until Tuesday to close issues]</a:t>
-            </a:r>
-          </a:p>
-        </p:txBody>
-      </p:sp>
+        </p:nvPicPr>
+        <p:blipFill>
+          <a:blip r:embed="rId2"/>
+          <a:stretch>
+            <a:fillRect/>
+          </a:stretch>
+        </p:blipFill>
+        <p:spPr>
+          <a:xfrm>
+            <a:off x="3699710" y="2016125"/>
+            <a:ext cx="5106905" cy="3449638"/>
+          </a:xfrm>
+        </p:spPr>
+      </p:pic>
     </p:spTree>
     <p:extLst>
       <p:ext uri="{BB962C8B-B14F-4D97-AF65-F5344CB8AC3E}">
-        <p14:creationId xmlns:p14="http://schemas.microsoft.com/office/powerpoint/2010/main" val="285715210"/>
+        <p14:creationId xmlns:p14="http://schemas.microsoft.com/office/powerpoint/2010/main" val="2227317300"/>
       </p:ext>
     </p:extLst>
   </p:cSld>
@@ -4112,6 +4125,266 @@
           <p:cNvPr id="2" name="Title 1">
             <a:extLst>
               <a:ext uri="{FF2B5EF4-FFF2-40B4-BE49-F238E27FC236}">
+                <a16:creationId xmlns:a16="http://schemas.microsoft.com/office/drawing/2014/main" id="{B96E2B2B-266A-4DE7-9C96-611617897657}"/>
+              </a:ext>
+            </a:extLst>
+          </p:cNvPr>
+          <p:cNvSpPr>
+            <a:spLocks noGrp="1"/>
+          </p:cNvSpPr>
+          <p:nvPr>
+            <p:ph type="title"/>
+          </p:nvPr>
+        </p:nvSpPr>
+        <p:spPr/>
+        <p:txBody>
+          <a:bodyPr/>
+          <a:lstStyle/>
+          <a:p>
+            <a:r>
+              <a:rPr lang="en-US" dirty="0"/>
+              <a:t>Student Use case diagram </a:t>
+            </a:r>
+          </a:p>
+        </p:txBody>
+      </p:sp>
+      <p:pic>
+        <p:nvPicPr>
+          <p:cNvPr id="5" name="Content Placeholder 4">
+            <a:extLst>
+              <a:ext uri="{FF2B5EF4-FFF2-40B4-BE49-F238E27FC236}">
+                <a16:creationId xmlns:a16="http://schemas.microsoft.com/office/drawing/2014/main" id="{5DA601AD-9F75-48B9-8C8A-6D8E4FAE7C45}"/>
+              </a:ext>
+            </a:extLst>
+          </p:cNvPr>
+          <p:cNvPicPr>
+            <a:picLocks noGrp="1" noChangeAspect="1"/>
+          </p:cNvPicPr>
+          <p:nvPr>
+            <p:ph idx="1"/>
+          </p:nvPr>
+        </p:nvPicPr>
+        <p:blipFill>
+          <a:blip r:embed="rId2"/>
+          <a:stretch>
+            <a:fillRect/>
+          </a:stretch>
+        </p:blipFill>
+        <p:spPr>
+          <a:xfrm>
+            <a:off x="3922630" y="2016125"/>
+            <a:ext cx="4661064" cy="3449638"/>
+          </a:xfrm>
+        </p:spPr>
+      </p:pic>
+    </p:spTree>
+    <p:extLst>
+      <p:ext uri="{BB962C8B-B14F-4D97-AF65-F5344CB8AC3E}">
+        <p14:creationId xmlns:p14="http://schemas.microsoft.com/office/powerpoint/2010/main" val="2752654192"/>
+      </p:ext>
+    </p:extLst>
+  </p:cSld>
+  <p:clrMapOvr>
+    <a:masterClrMapping/>
+  </p:clrMapOvr>
+</p:sld>
+</file>
+
+<file path=ppt/slides/slide16.xml><?xml version="1.0" encoding="utf-8"?>
+<p:sld xmlns:a="http://schemas.openxmlformats.org/drawingml/2006/main" xmlns:r="http://schemas.openxmlformats.org/officeDocument/2006/relationships" xmlns:p="http://schemas.openxmlformats.org/presentationml/2006/main">
+  <p:cSld>
+    <p:spTree>
+      <p:nvGrpSpPr>
+        <p:cNvPr id="1" name=""/>
+        <p:cNvGrpSpPr/>
+        <p:nvPr/>
+      </p:nvGrpSpPr>
+      <p:grpSpPr>
+        <a:xfrm>
+          <a:off x="0" y="0"/>
+          <a:ext cx="0" cy="0"/>
+          <a:chOff x="0" y="0"/>
+          <a:chExt cx="0" cy="0"/>
+        </a:xfrm>
+      </p:grpSpPr>
+      <p:sp>
+        <p:nvSpPr>
+          <p:cNvPr id="2" name="Title 1">
+            <a:extLst>
+              <a:ext uri="{FF2B5EF4-FFF2-40B4-BE49-F238E27FC236}">
+                <a16:creationId xmlns:a16="http://schemas.microsoft.com/office/drawing/2014/main" id="{4C37A9A8-AC6D-4A2B-9CD2-9DD14A8B6362}"/>
+              </a:ext>
+            </a:extLst>
+          </p:cNvPr>
+          <p:cNvSpPr>
+            <a:spLocks noGrp="1"/>
+          </p:cNvSpPr>
+          <p:nvPr>
+            <p:ph type="title"/>
+          </p:nvPr>
+        </p:nvSpPr>
+        <p:spPr/>
+        <p:txBody>
+          <a:bodyPr/>
+          <a:lstStyle/>
+          <a:p>
+            <a:r>
+              <a:rPr lang="en-US" dirty="0"/>
+              <a:t>functional Requirements diagram </a:t>
+            </a:r>
+          </a:p>
+        </p:txBody>
+      </p:sp>
+      <p:pic>
+        <p:nvPicPr>
+          <p:cNvPr id="5" name="Content Placeholder 4">
+            <a:extLst>
+              <a:ext uri="{FF2B5EF4-FFF2-40B4-BE49-F238E27FC236}">
+                <a16:creationId xmlns:a16="http://schemas.microsoft.com/office/drawing/2014/main" id="{3A97D38F-9EF1-48E0-B223-2B1642C35EC5}"/>
+              </a:ext>
+            </a:extLst>
+          </p:cNvPr>
+          <p:cNvPicPr>
+            <a:picLocks noGrp="1" noChangeAspect="1"/>
+          </p:cNvPicPr>
+          <p:nvPr>
+            <p:ph idx="1"/>
+          </p:nvPr>
+        </p:nvPicPr>
+        <p:blipFill>
+          <a:blip r:embed="rId2"/>
+          <a:stretch>
+            <a:fillRect/>
+          </a:stretch>
+        </p:blipFill>
+        <p:spPr>
+          <a:xfrm>
+            <a:off x="3712891" y="2016125"/>
+            <a:ext cx="5080542" cy="3449638"/>
+          </a:xfrm>
+        </p:spPr>
+      </p:pic>
+    </p:spTree>
+    <p:extLst>
+      <p:ext uri="{BB962C8B-B14F-4D97-AF65-F5344CB8AC3E}">
+        <p14:creationId xmlns:p14="http://schemas.microsoft.com/office/powerpoint/2010/main" val="1355400158"/>
+      </p:ext>
+    </p:extLst>
+  </p:cSld>
+  <p:clrMapOvr>
+    <a:masterClrMapping/>
+  </p:clrMapOvr>
+</p:sld>
+</file>
+
+<file path=ppt/slides/slide17.xml><?xml version="1.0" encoding="utf-8"?>
+<p:sld xmlns:a="http://schemas.openxmlformats.org/drawingml/2006/main" xmlns:r="http://schemas.openxmlformats.org/officeDocument/2006/relationships" xmlns:p="http://schemas.openxmlformats.org/presentationml/2006/main">
+  <p:cSld>
+    <p:spTree>
+      <p:nvGrpSpPr>
+        <p:cNvPr id="1" name=""/>
+        <p:cNvGrpSpPr/>
+        <p:nvPr/>
+      </p:nvGrpSpPr>
+      <p:grpSpPr>
+        <a:xfrm>
+          <a:off x="0" y="0"/>
+          <a:ext cx="0" cy="0"/>
+          <a:chOff x="0" y="0"/>
+          <a:chExt cx="0" cy="0"/>
+        </a:xfrm>
+      </p:grpSpPr>
+      <p:sp>
+        <p:nvSpPr>
+          <p:cNvPr id="2" name="Title 1">
+            <a:extLst>
+              <a:ext uri="{FF2B5EF4-FFF2-40B4-BE49-F238E27FC236}">
+                <a16:creationId xmlns:a16="http://schemas.microsoft.com/office/drawing/2014/main" id="{5B4E281E-C31D-4955-8BA3-D41758E56E3B}"/>
+              </a:ext>
+            </a:extLst>
+          </p:cNvPr>
+          <p:cNvSpPr>
+            <a:spLocks noGrp="1"/>
+          </p:cNvSpPr>
+          <p:nvPr>
+            <p:ph type="title"/>
+          </p:nvPr>
+        </p:nvSpPr>
+        <p:spPr/>
+        <p:txBody>
+          <a:bodyPr/>
+          <a:lstStyle/>
+          <a:p>
+            <a:r>
+              <a:rPr lang="en-US" dirty="0"/>
+              <a:t>Burndown chart</a:t>
+            </a:r>
+          </a:p>
+        </p:txBody>
+      </p:sp>
+      <p:sp>
+        <p:nvSpPr>
+          <p:cNvPr id="3" name="Content Placeholder 2">
+            <a:extLst>
+              <a:ext uri="{FF2B5EF4-FFF2-40B4-BE49-F238E27FC236}">
+                <a16:creationId xmlns:a16="http://schemas.microsoft.com/office/drawing/2014/main" id="{62902AEA-6F0E-4F75-BA38-1CEEA0688596}"/>
+              </a:ext>
+            </a:extLst>
+          </p:cNvPr>
+          <p:cNvSpPr>
+            <a:spLocks noGrp="1"/>
+          </p:cNvSpPr>
+          <p:nvPr>
+            <p:ph idx="1"/>
+          </p:nvPr>
+        </p:nvSpPr>
+        <p:spPr/>
+        <p:txBody>
+          <a:bodyPr/>
+          <a:lstStyle/>
+          <a:p>
+            <a:r>
+              <a:rPr lang="en-US" dirty="0"/>
+              <a:t>[programmers have until Tuesday to close issues]</a:t>
+            </a:r>
+          </a:p>
+        </p:txBody>
+      </p:sp>
+    </p:spTree>
+    <p:extLst>
+      <p:ext uri="{BB962C8B-B14F-4D97-AF65-F5344CB8AC3E}">
+        <p14:creationId xmlns:p14="http://schemas.microsoft.com/office/powerpoint/2010/main" val="285715210"/>
+      </p:ext>
+    </p:extLst>
+  </p:cSld>
+  <p:clrMapOvr>
+    <a:masterClrMapping/>
+  </p:clrMapOvr>
+</p:sld>
+</file>
+
+<file path=ppt/slides/slide18.xml><?xml version="1.0" encoding="utf-8"?>
+<p:sld xmlns:a="http://schemas.openxmlformats.org/drawingml/2006/main" xmlns:r="http://schemas.openxmlformats.org/officeDocument/2006/relationships" xmlns:p="http://schemas.openxmlformats.org/presentationml/2006/main">
+  <p:cSld>
+    <p:spTree>
+      <p:nvGrpSpPr>
+        <p:cNvPr id="1" name=""/>
+        <p:cNvGrpSpPr/>
+        <p:nvPr/>
+      </p:nvGrpSpPr>
+      <p:grpSpPr>
+        <a:xfrm>
+          <a:off x="0" y="0"/>
+          <a:ext cx="0" cy="0"/>
+          <a:chOff x="0" y="0"/>
+          <a:chExt cx="0" cy="0"/>
+        </a:xfrm>
+      </p:grpSpPr>
+      <p:sp>
+        <p:nvSpPr>
+          <p:cNvPr id="2" name="Title 1">
+            <a:extLst>
+              <a:ext uri="{FF2B5EF4-FFF2-40B4-BE49-F238E27FC236}">
                 <a16:creationId xmlns:a16="http://schemas.microsoft.com/office/drawing/2014/main" id="{2D29BEE2-AC8D-4597-83D9-687236660E28}"/>
               </a:ext>
             </a:extLst>
@@ -4199,7 +4472,7 @@
 </p:sld>
 </file>
 
-<file path=ppt/slides/slide16.xml><?xml version="1.0" encoding="utf-8"?>
+<file path=ppt/slides/slide19.xml><?xml version="1.0" encoding="utf-8"?>
 <p:sld xmlns:a="http://schemas.openxmlformats.org/drawingml/2006/main" xmlns:r="http://schemas.openxmlformats.org/officeDocument/2006/relationships" xmlns:p="http://schemas.openxmlformats.org/presentationml/2006/main">
   <p:cSld>
     <p:spTree>
@@ -5016,7 +5289,7 @@
           <p:cNvPr id="2" name="Title 1">
             <a:extLst>
               <a:ext uri="{FF2B5EF4-FFF2-40B4-BE49-F238E27FC236}">
-                <a16:creationId xmlns:a16="http://schemas.microsoft.com/office/drawing/2014/main" id="{3EFAE67F-3F16-46BC-97E1-90CDB8E5B9B6}"/>
+                <a16:creationId xmlns:a16="http://schemas.microsoft.com/office/drawing/2014/main" id="{277011A2-CAE9-478E-8058-A08A4B20759A}"/>
               </a:ext>
             </a:extLst>
           </p:cNvPr>
@@ -5034,7 +5307,7 @@
           <a:p>
             <a:r>
               <a:rPr lang="en-US" dirty="0"/>
-              <a:t>State diagram: student view</a:t>
+              <a:t>Burndown</a:t>
             </a:r>
           </a:p>
         </p:txBody>
@@ -5044,7 +5317,7 @@
           <p:cNvPr id="5" name="Content Placeholder 4">
             <a:extLst>
               <a:ext uri="{FF2B5EF4-FFF2-40B4-BE49-F238E27FC236}">
-                <a16:creationId xmlns:a16="http://schemas.microsoft.com/office/drawing/2014/main" id="{BC318D92-A965-4531-9482-5DB609BF44C6}"/>
+                <a16:creationId xmlns:a16="http://schemas.microsoft.com/office/drawing/2014/main" id="{6FEB09BE-F0E4-4B0B-A74E-00395ECEE9F5}"/>
               </a:ext>
             </a:extLst>
           </p:cNvPr>
@@ -5063,15 +5336,15 @@
         </p:blipFill>
         <p:spPr>
           <a:xfrm>
-            <a:off x="3163652" y="2016125"/>
-            <a:ext cx="6179021" cy="3449638"/>
+            <a:off x="1515850" y="1951046"/>
+            <a:ext cx="9603275" cy="3514717"/>
           </a:xfrm>
         </p:spPr>
       </p:pic>
     </p:spTree>
     <p:extLst>
       <p:ext uri="{BB962C8B-B14F-4D97-AF65-F5344CB8AC3E}">
-        <p14:creationId xmlns:p14="http://schemas.microsoft.com/office/powerpoint/2010/main" val="440228663"/>
+        <p14:creationId xmlns:p14="http://schemas.microsoft.com/office/powerpoint/2010/main" val="3866858670"/>
       </p:ext>
     </p:extLst>
   </p:cSld>

--- a/Attend-in_Sprint1.pptx
+++ b/Attend-in_Sprint1.pptx
@@ -21,9 +21,8 @@
     <p:sldId id="268" r:id="rId15"/>
     <p:sldId id="269" r:id="rId16"/>
     <p:sldId id="270" r:id="rId17"/>
-    <p:sldId id="264" r:id="rId18"/>
-    <p:sldId id="263" r:id="rId19"/>
-    <p:sldId id="271" r:id="rId20"/>
+    <p:sldId id="263" r:id="rId18"/>
+    <p:sldId id="271" r:id="rId19"/>
   </p:sldIdLst>
   <p:sldSz cx="12192000" cy="6858000"/>
   <p:notesSz cx="6858000" cy="9144000"/>
@@ -3895,31 +3894,35 @@
           </a:p>
         </p:txBody>
       </p:sp>
-      <p:sp>
-        <p:nvSpPr>
-          <p:cNvPr id="3" name="Content Placeholder 2">
+      <p:pic>
+        <p:nvPicPr>
+          <p:cNvPr id="5" name="Content Placeholder 4">
             <a:extLst>
               <a:ext uri="{FF2B5EF4-FFF2-40B4-BE49-F238E27FC236}">
-                <a16:creationId xmlns:a16="http://schemas.microsoft.com/office/drawing/2014/main" id="{C20B14DD-0628-4D06-95D5-1949B846C8F5}"/>
+                <a16:creationId xmlns:a16="http://schemas.microsoft.com/office/drawing/2014/main" id="{E21C9449-F20A-45FC-9E96-D543D97CF3BC}"/>
               </a:ext>
             </a:extLst>
           </p:cNvPr>
-          <p:cNvSpPr>
-            <a:spLocks noGrp="1"/>
-          </p:cNvSpPr>
+          <p:cNvPicPr>
+            <a:picLocks noGrp="1" noChangeAspect="1"/>
+          </p:cNvPicPr>
           <p:nvPr>
             <p:ph idx="1"/>
           </p:nvPr>
-        </p:nvSpPr>
-        <p:spPr/>
-        <p:txBody>
-          <a:bodyPr/>
-          <a:lstStyle/>
-          <a:p>
-            <a:endParaRPr lang="en-US"/>
-          </a:p>
-        </p:txBody>
-      </p:sp>
+        </p:nvPicPr>
+        <p:blipFill>
+          <a:blip r:embed="rId2"/>
+          <a:stretch>
+            <a:fillRect/>
+          </a:stretch>
+        </p:blipFill>
+        <p:spPr>
+          <a:xfrm>
+            <a:off x="2298226" y="2016124"/>
+            <a:ext cx="7774844" cy="3841903"/>
+          </a:xfrm>
+        </p:spPr>
+      </p:pic>
     </p:spTree>
     <p:extLst>
       <p:ext uri="{BB962C8B-B14F-4D97-AF65-F5344CB8AC3E}">
@@ -3978,31 +3981,35 @@
           </a:p>
         </p:txBody>
       </p:sp>
-      <p:sp>
-        <p:nvSpPr>
-          <p:cNvPr id="3" name="Content Placeholder 2">
+      <p:pic>
+        <p:nvPicPr>
+          <p:cNvPr id="5" name="Content Placeholder 4">
             <a:extLst>
               <a:ext uri="{FF2B5EF4-FFF2-40B4-BE49-F238E27FC236}">
-                <a16:creationId xmlns:a16="http://schemas.microsoft.com/office/drawing/2014/main" id="{8BB93A66-2E5A-4C04-AE00-3141ED5BD7F9}"/>
+                <a16:creationId xmlns:a16="http://schemas.microsoft.com/office/drawing/2014/main" id="{A7C6ED10-7738-454F-B208-6A8BB2B6C4F7}"/>
               </a:ext>
             </a:extLst>
           </p:cNvPr>
-          <p:cNvSpPr>
-            <a:spLocks noGrp="1"/>
-          </p:cNvSpPr>
+          <p:cNvPicPr>
+            <a:picLocks noGrp="1" noChangeAspect="1"/>
+          </p:cNvPicPr>
           <p:nvPr>
             <p:ph idx="1"/>
           </p:nvPr>
-        </p:nvSpPr>
-        <p:spPr/>
-        <p:txBody>
-          <a:bodyPr/>
-          <a:lstStyle/>
-          <a:p>
-            <a:endParaRPr lang="en-US"/>
-          </a:p>
-        </p:txBody>
-      </p:sp>
+        </p:nvPicPr>
+        <p:blipFill>
+          <a:blip r:embed="rId2"/>
+          <a:stretch>
+            <a:fillRect/>
+          </a:stretch>
+        </p:blipFill>
+        <p:spPr>
+          <a:xfrm>
+            <a:off x="2356903" y="2016125"/>
+            <a:ext cx="7799294" cy="3856572"/>
+          </a:xfrm>
+        </p:spPr>
+      </p:pic>
     </p:spTree>
     <p:extLst>
       <p:ext uri="{BB962C8B-B14F-4D97-AF65-F5344CB8AC3E}">
@@ -4063,10 +4070,10 @@
       </p:sp>
       <p:pic>
         <p:nvPicPr>
-          <p:cNvPr id="5" name="Content Placeholder 4">
+          <p:cNvPr id="7" name="Content Placeholder 6">
             <a:extLst>
               <a:ext uri="{FF2B5EF4-FFF2-40B4-BE49-F238E27FC236}">
-                <a16:creationId xmlns:a16="http://schemas.microsoft.com/office/drawing/2014/main" id="{B2CBE73C-9C49-4301-B225-6D1D50121ECE}"/>
+                <a16:creationId xmlns:a16="http://schemas.microsoft.com/office/drawing/2014/main" id="{BF796EDA-5D5E-49B8-9077-B0EEF2881D1C}"/>
               </a:ext>
             </a:extLst>
           </p:cNvPr>
@@ -4085,8 +4092,8 @@
         </p:blipFill>
         <p:spPr>
           <a:xfrm>
-            <a:off x="3699710" y="2016125"/>
-            <a:ext cx="5106905" cy="3449638"/>
+            <a:off x="2205318" y="2016124"/>
+            <a:ext cx="7662378" cy="3949479"/>
           </a:xfrm>
         </p:spPr>
       </p:pic>
@@ -4150,10 +4157,10 @@
       </p:sp>
       <p:pic>
         <p:nvPicPr>
-          <p:cNvPr id="5" name="Content Placeholder 4">
+          <p:cNvPr id="7" name="Content Placeholder 6">
             <a:extLst>
               <a:ext uri="{FF2B5EF4-FFF2-40B4-BE49-F238E27FC236}">
-                <a16:creationId xmlns:a16="http://schemas.microsoft.com/office/drawing/2014/main" id="{5DA601AD-9F75-48B9-8C8A-6D8E4FAE7C45}"/>
+                <a16:creationId xmlns:a16="http://schemas.microsoft.com/office/drawing/2014/main" id="{22511957-D85F-4D9D-9201-FC8F71813DBB}"/>
               </a:ext>
             </a:extLst>
           </p:cNvPr>
@@ -4172,8 +4179,8 @@
         </p:blipFill>
         <p:spPr>
           <a:xfrm>
-            <a:off x="3922630" y="2016125"/>
-            <a:ext cx="4661064" cy="3449638"/>
+            <a:off x="2405801" y="2016124"/>
+            <a:ext cx="7564581" cy="3837013"/>
           </a:xfrm>
         </p:spPr>
       </p:pic>
@@ -4230,17 +4237,17 @@
           <a:p>
             <a:r>
               <a:rPr lang="en-US" dirty="0"/>
-              <a:t>functional Requirements diagram </a:t>
+              <a:t>Database use case diagram </a:t>
             </a:r>
           </a:p>
         </p:txBody>
       </p:sp>
       <p:pic>
         <p:nvPicPr>
-          <p:cNvPr id="5" name="Content Placeholder 4">
+          <p:cNvPr id="7" name="Content Placeholder 6">
             <a:extLst>
               <a:ext uri="{FF2B5EF4-FFF2-40B4-BE49-F238E27FC236}">
-                <a16:creationId xmlns:a16="http://schemas.microsoft.com/office/drawing/2014/main" id="{3A97D38F-9EF1-48E0-B223-2B1642C35EC5}"/>
+                <a16:creationId xmlns:a16="http://schemas.microsoft.com/office/drawing/2014/main" id="{85D2513D-496F-4838-A74D-A109E0562E73}"/>
               </a:ext>
             </a:extLst>
           </p:cNvPr>
@@ -4259,8 +4266,8 @@
         </p:blipFill>
         <p:spPr>
           <a:xfrm>
-            <a:off x="3712891" y="2016125"/>
-            <a:ext cx="5080542" cy="3449638"/>
+            <a:off x="2312894" y="2016125"/>
+            <a:ext cx="7574361" cy="3449638"/>
           </a:xfrm>
         </p:spPr>
       </p:pic>
@@ -4299,92 +4306,6 @@
           <p:cNvPr id="2" name="Title 1">
             <a:extLst>
               <a:ext uri="{FF2B5EF4-FFF2-40B4-BE49-F238E27FC236}">
-                <a16:creationId xmlns:a16="http://schemas.microsoft.com/office/drawing/2014/main" id="{5B4E281E-C31D-4955-8BA3-D41758E56E3B}"/>
-              </a:ext>
-            </a:extLst>
-          </p:cNvPr>
-          <p:cNvSpPr>
-            <a:spLocks noGrp="1"/>
-          </p:cNvSpPr>
-          <p:nvPr>
-            <p:ph type="title"/>
-          </p:nvPr>
-        </p:nvSpPr>
-        <p:spPr/>
-        <p:txBody>
-          <a:bodyPr/>
-          <a:lstStyle/>
-          <a:p>
-            <a:r>
-              <a:rPr lang="en-US" dirty="0"/>
-              <a:t>Burndown chart</a:t>
-            </a:r>
-          </a:p>
-        </p:txBody>
-      </p:sp>
-      <p:sp>
-        <p:nvSpPr>
-          <p:cNvPr id="3" name="Content Placeholder 2">
-            <a:extLst>
-              <a:ext uri="{FF2B5EF4-FFF2-40B4-BE49-F238E27FC236}">
-                <a16:creationId xmlns:a16="http://schemas.microsoft.com/office/drawing/2014/main" id="{62902AEA-6F0E-4F75-BA38-1CEEA0688596}"/>
-              </a:ext>
-            </a:extLst>
-          </p:cNvPr>
-          <p:cNvSpPr>
-            <a:spLocks noGrp="1"/>
-          </p:cNvSpPr>
-          <p:nvPr>
-            <p:ph idx="1"/>
-          </p:nvPr>
-        </p:nvSpPr>
-        <p:spPr/>
-        <p:txBody>
-          <a:bodyPr/>
-          <a:lstStyle/>
-          <a:p>
-            <a:r>
-              <a:rPr lang="en-US" dirty="0"/>
-              <a:t>[programmers have until Tuesday to close issues]</a:t>
-            </a:r>
-          </a:p>
-        </p:txBody>
-      </p:sp>
-    </p:spTree>
-    <p:extLst>
-      <p:ext uri="{BB962C8B-B14F-4D97-AF65-F5344CB8AC3E}">
-        <p14:creationId xmlns:p14="http://schemas.microsoft.com/office/powerpoint/2010/main" val="285715210"/>
-      </p:ext>
-    </p:extLst>
-  </p:cSld>
-  <p:clrMapOvr>
-    <a:masterClrMapping/>
-  </p:clrMapOvr>
-</p:sld>
-</file>
-
-<file path=ppt/slides/slide18.xml><?xml version="1.0" encoding="utf-8"?>
-<p:sld xmlns:a="http://schemas.openxmlformats.org/drawingml/2006/main" xmlns:r="http://schemas.openxmlformats.org/officeDocument/2006/relationships" xmlns:p="http://schemas.openxmlformats.org/presentationml/2006/main">
-  <p:cSld>
-    <p:spTree>
-      <p:nvGrpSpPr>
-        <p:cNvPr id="1" name=""/>
-        <p:cNvGrpSpPr/>
-        <p:nvPr/>
-      </p:nvGrpSpPr>
-      <p:grpSpPr>
-        <a:xfrm>
-          <a:off x="0" y="0"/>
-          <a:ext cx="0" cy="0"/>
-          <a:chOff x="0" y="0"/>
-          <a:chExt cx="0" cy="0"/>
-        </a:xfrm>
-      </p:grpSpPr>
-      <p:sp>
-        <p:nvSpPr>
-          <p:cNvPr id="2" name="Title 1">
-            <a:extLst>
-              <a:ext uri="{FF2B5EF4-FFF2-40B4-BE49-F238E27FC236}">
                 <a16:creationId xmlns:a16="http://schemas.microsoft.com/office/drawing/2014/main" id="{2D29BEE2-AC8D-4597-83D9-687236660E28}"/>
               </a:ext>
             </a:extLst>
@@ -4426,36 +4347,38 @@
         </p:nvSpPr>
         <p:spPr/>
         <p:txBody>
-          <a:bodyPr/>
-          <a:lstStyle/>
-          <a:p>
-            <a:r>
-              <a:rPr lang="en-US" dirty="0"/>
+          <a:bodyPr>
+            <a:normAutofit/>
+          </a:bodyPr>
+          <a:lstStyle/>
+          <a:p>
+            <a:r>
+              <a:rPr lang="en-US" sz="2400" dirty="0"/>
               <a:t>Everyone is new to Android Studio</a:t>
             </a:r>
           </a:p>
           <a:p>
             <a:r>
-              <a:rPr lang="en-US" dirty="0"/>
+              <a:rPr lang="en-US" sz="2400" dirty="0"/>
               <a:t>Work schedules</a:t>
             </a:r>
           </a:p>
           <a:p>
             <a:r>
-              <a:rPr lang="en-US" dirty="0"/>
+              <a:rPr lang="en-US" sz="2400" dirty="0"/>
               <a:t>Creating a secure log-in screen</a:t>
             </a:r>
           </a:p>
           <a:p>
             <a:r>
-              <a:rPr lang="en-US" dirty="0"/>
+              <a:rPr lang="en-US" sz="2400" dirty="0"/>
               <a:t>Learning </a:t>
             </a:r>
             <a:r>
-              <a:rPr lang="en-US" dirty="0" err="1"/>
+              <a:rPr lang="en-US" sz="2400" dirty="0" err="1"/>
               <a:t>Zenhub</a:t>
             </a:r>
-            <a:endParaRPr lang="en-US" dirty="0"/>
+            <a:endParaRPr lang="en-US" sz="2400" dirty="0"/>
           </a:p>
         </p:txBody>
       </p:sp>
@@ -4472,7 +4395,7 @@
 </p:sld>
 </file>
 
-<file path=ppt/slides/slide19.xml><?xml version="1.0" encoding="utf-8"?>
+<file path=ppt/slides/slide18.xml><?xml version="1.0" encoding="utf-8"?>
 <p:sld xmlns:a="http://schemas.openxmlformats.org/drawingml/2006/main" xmlns:r="http://schemas.openxmlformats.org/officeDocument/2006/relationships" xmlns:p="http://schemas.openxmlformats.org/presentationml/2006/main">
   <p:cSld>
     <p:spTree>

--- a/Attend-in_Sprint1.pptx
+++ b/Attend-in_Sprint1.pptx
@@ -18,9 +18,9 @@
     <p:sldId id="266" r:id="rId12"/>
     <p:sldId id="272" r:id="rId13"/>
     <p:sldId id="273" r:id="rId14"/>
-    <p:sldId id="268" r:id="rId15"/>
-    <p:sldId id="269" r:id="rId16"/>
-    <p:sldId id="270" r:id="rId17"/>
+    <p:sldId id="269" r:id="rId15"/>
+    <p:sldId id="270" r:id="rId16"/>
+    <p:sldId id="268" r:id="rId17"/>
     <p:sldId id="263" r:id="rId18"/>
     <p:sldId id="271" r:id="rId19"/>
   </p:sldIdLst>
@@ -268,7 +268,7 @@
           <a:p>
             <a:fld id="{48A87A34-81AB-432B-8DAE-1953F412C126}" type="datetimeFigureOut">
               <a:rPr lang="en-US" dirty="0"/>
-              <a:t>10/1/2019</a:t>
+              <a:t>10/2/2019</a:t>
             </a:fld>
             <a:endParaRPr lang="en-US" dirty="0"/>
           </a:p>
@@ -474,7 +474,7 @@
           <a:p>
             <a:fld id="{48A87A34-81AB-432B-8DAE-1953F412C126}" type="datetimeFigureOut">
               <a:rPr lang="en-US" dirty="0"/>
-              <a:t>10/1/2019</a:t>
+              <a:t>10/2/2019</a:t>
             </a:fld>
             <a:endParaRPr lang="en-US" dirty="0"/>
           </a:p>
@@ -684,7 +684,7 @@
           <a:p>
             <a:fld id="{48A87A34-81AB-432B-8DAE-1953F412C126}" type="datetimeFigureOut">
               <a:rPr lang="en-US" dirty="0"/>
-              <a:t>10/1/2019</a:t>
+              <a:t>10/2/2019</a:t>
             </a:fld>
             <a:endParaRPr lang="en-US" dirty="0"/>
           </a:p>
@@ -880,7 +880,7 @@
           <a:p>
             <a:fld id="{48A87A34-81AB-432B-8DAE-1953F412C126}" type="datetimeFigureOut">
               <a:rPr lang="en-US" dirty="0"/>
-              <a:t>10/1/2019</a:t>
+              <a:t>10/2/2019</a:t>
             </a:fld>
             <a:endParaRPr lang="en-US" dirty="0"/>
           </a:p>
@@ -1154,7 +1154,7 @@
           <a:p>
             <a:fld id="{48A87A34-81AB-432B-8DAE-1953F412C126}" type="datetimeFigureOut">
               <a:rPr lang="en-US" dirty="0"/>
-              <a:t>10/1/2019</a:t>
+              <a:t>10/2/2019</a:t>
             </a:fld>
             <a:endParaRPr lang="en-US" dirty="0"/>
           </a:p>
@@ -1417,7 +1417,7 @@
           <a:p>
             <a:fld id="{48A87A34-81AB-432B-8DAE-1953F412C126}" type="datetimeFigureOut">
               <a:rPr lang="en-US" dirty="0"/>
-              <a:t>10/1/2019</a:t>
+              <a:t>10/2/2019</a:t>
             </a:fld>
             <a:endParaRPr lang="en-US" dirty="0"/>
           </a:p>
@@ -1828,7 +1828,7 @@
           <a:p>
             <a:fld id="{48A87A34-81AB-432B-8DAE-1953F412C126}" type="datetimeFigureOut">
               <a:rPr lang="en-US" dirty="0"/>
-              <a:t>10/1/2019</a:t>
+              <a:t>10/2/2019</a:t>
             </a:fld>
             <a:endParaRPr lang="en-US" dirty="0"/>
           </a:p>
@@ -1972,7 +1972,7 @@
           <a:p>
             <a:fld id="{48A87A34-81AB-432B-8DAE-1953F412C126}" type="datetimeFigureOut">
               <a:rPr lang="en-US" dirty="0"/>
-              <a:t>10/1/2019</a:t>
+              <a:t>10/2/2019</a:t>
             </a:fld>
             <a:endParaRPr lang="en-US" dirty="0"/>
           </a:p>
@@ -2093,7 +2093,7 @@
           <a:p>
             <a:fld id="{48A87A34-81AB-432B-8DAE-1953F412C126}" type="datetimeFigureOut">
               <a:rPr lang="en-US" dirty="0"/>
-              <a:t>10/1/2019</a:t>
+              <a:t>10/2/2019</a:t>
             </a:fld>
             <a:endParaRPr lang="en-US" dirty="0"/>
           </a:p>
@@ -2339,7 +2339,7 @@
           <a:p>
             <a:fld id="{48A87A34-81AB-432B-8DAE-1953F412C126}" type="datetimeFigureOut">
               <a:rPr lang="en-US" dirty="0"/>
-              <a:t>10/1/2019</a:t>
+              <a:t>10/2/2019</a:t>
             </a:fld>
             <a:endParaRPr lang="en-US" dirty="0"/>
           </a:p>
@@ -2780,7 +2780,7 @@
             <a:fld id="{48A87A34-81AB-432B-8DAE-1953F412C126}" type="datetimeFigureOut">
               <a:rPr lang="en-US" dirty="0"/>
               <a:pPr/>
-              <a:t>10/1/2019</a:t>
+              <a:t>10/2/2019</a:t>
             </a:fld>
             <a:endParaRPr lang="en-US" dirty="0"/>
           </a:p>
@@ -3103,7 +3103,7 @@
             <a:fld id="{48A87A34-81AB-432B-8DAE-1953F412C126}" type="datetimeFigureOut">
               <a:rPr lang="en-US" dirty="0"/>
               <a:pPr/>
-              <a:t>10/1/2019</a:t>
+              <a:t>10/2/2019</a:t>
             </a:fld>
             <a:endParaRPr lang="en-US" dirty="0"/>
           </a:p>
@@ -3715,7 +3715,7 @@
           <a:p>
             <a:r>
               <a:rPr lang="en-US" dirty="0"/>
-              <a:t>State diagram: student view</a:t>
+              <a:t>State diagram (student)</a:t>
             </a:r>
           </a:p>
         </p:txBody>
@@ -3802,7 +3802,7 @@
           <a:p>
             <a:r>
               <a:rPr lang="en-US" dirty="0"/>
-              <a:t>State diagram: teacher view</a:t>
+              <a:t>State diagram (Teacher)</a:t>
             </a:r>
           </a:p>
         </p:txBody>
@@ -4045,7 +4045,7 @@
           <p:cNvPr id="2" name="Title 1">
             <a:extLst>
               <a:ext uri="{FF2B5EF4-FFF2-40B4-BE49-F238E27FC236}">
-                <a16:creationId xmlns:a16="http://schemas.microsoft.com/office/drawing/2014/main" id="{3DD960E9-1524-48C3-B4CC-EB4DFDD75D10}"/>
+                <a16:creationId xmlns:a16="http://schemas.microsoft.com/office/drawing/2014/main" id="{B96E2B2B-266A-4DE7-9C96-611617897657}"/>
               </a:ext>
             </a:extLst>
           </p:cNvPr>
@@ -4063,17 +4063,17 @@
           <a:p>
             <a:r>
               <a:rPr lang="en-US" dirty="0"/>
-              <a:t>Teacher Use case diagram </a:t>
+              <a:t>Use case diagram 1</a:t>
             </a:r>
           </a:p>
         </p:txBody>
       </p:sp>
       <p:pic>
         <p:nvPicPr>
-          <p:cNvPr id="7" name="Content Placeholder 6">
+          <p:cNvPr id="11" name="Content Placeholder 10">
             <a:extLst>
               <a:ext uri="{FF2B5EF4-FFF2-40B4-BE49-F238E27FC236}">
-                <a16:creationId xmlns:a16="http://schemas.microsoft.com/office/drawing/2014/main" id="{BF796EDA-5D5E-49B8-9077-B0EEF2881D1C}"/>
+                <a16:creationId xmlns:a16="http://schemas.microsoft.com/office/drawing/2014/main" id="{5E44BDCA-332A-42B3-8448-DA8824D1EBE9}"/>
               </a:ext>
             </a:extLst>
           </p:cNvPr>
@@ -4092,15 +4092,15 @@
         </p:blipFill>
         <p:spPr>
           <a:xfrm>
-            <a:off x="2205318" y="2016124"/>
-            <a:ext cx="7662378" cy="3949479"/>
+            <a:off x="2811658" y="2016125"/>
+            <a:ext cx="6620843" cy="3449638"/>
           </a:xfrm>
         </p:spPr>
       </p:pic>
     </p:spTree>
     <p:extLst>
       <p:ext uri="{BB962C8B-B14F-4D97-AF65-F5344CB8AC3E}">
-        <p14:creationId xmlns:p14="http://schemas.microsoft.com/office/powerpoint/2010/main" val="2227317300"/>
+        <p14:creationId xmlns:p14="http://schemas.microsoft.com/office/powerpoint/2010/main" val="2752654192"/>
       </p:ext>
     </p:extLst>
   </p:cSld>
@@ -4132,7 +4132,7 @@
           <p:cNvPr id="2" name="Title 1">
             <a:extLst>
               <a:ext uri="{FF2B5EF4-FFF2-40B4-BE49-F238E27FC236}">
-                <a16:creationId xmlns:a16="http://schemas.microsoft.com/office/drawing/2014/main" id="{B96E2B2B-266A-4DE7-9C96-611617897657}"/>
+                <a16:creationId xmlns:a16="http://schemas.microsoft.com/office/drawing/2014/main" id="{4C37A9A8-AC6D-4A2B-9CD2-9DD14A8B6362}"/>
               </a:ext>
             </a:extLst>
           </p:cNvPr>
@@ -4143,24 +4143,29 @@
             <p:ph type="title"/>
           </p:nvPr>
         </p:nvSpPr>
-        <p:spPr/>
+        <p:spPr>
+          <a:xfrm>
+            <a:off x="1451579" y="804519"/>
+            <a:ext cx="9603275" cy="1049235"/>
+          </a:xfrm>
+        </p:spPr>
         <p:txBody>
           <a:bodyPr/>
           <a:lstStyle/>
           <a:p>
             <a:r>
               <a:rPr lang="en-US" dirty="0"/>
-              <a:t>Student Use case diagram </a:t>
+              <a:t>Use case diagram 2</a:t>
             </a:r>
           </a:p>
         </p:txBody>
       </p:sp>
       <p:pic>
         <p:nvPicPr>
-          <p:cNvPr id="7" name="Content Placeholder 6">
+          <p:cNvPr id="11" name="Content Placeholder 10">
             <a:extLst>
               <a:ext uri="{FF2B5EF4-FFF2-40B4-BE49-F238E27FC236}">
-                <a16:creationId xmlns:a16="http://schemas.microsoft.com/office/drawing/2014/main" id="{22511957-D85F-4D9D-9201-FC8F71813DBB}"/>
+                <a16:creationId xmlns:a16="http://schemas.microsoft.com/office/drawing/2014/main" id="{A4698CB1-F032-40CA-9B4C-5839FC33A620}"/>
               </a:ext>
             </a:extLst>
           </p:cNvPr>
@@ -4179,15 +4184,15 @@
         </p:blipFill>
         <p:spPr>
           <a:xfrm>
-            <a:off x="2405801" y="2016124"/>
-            <a:ext cx="7564581" cy="3837013"/>
+            <a:off x="2801877" y="2016125"/>
+            <a:ext cx="6689301" cy="3449638"/>
           </a:xfrm>
         </p:spPr>
       </p:pic>
     </p:spTree>
     <p:extLst>
       <p:ext uri="{BB962C8B-B14F-4D97-AF65-F5344CB8AC3E}">
-        <p14:creationId xmlns:p14="http://schemas.microsoft.com/office/powerpoint/2010/main" val="2752654192"/>
+        <p14:creationId xmlns:p14="http://schemas.microsoft.com/office/powerpoint/2010/main" val="1355400158"/>
       </p:ext>
     </p:extLst>
   </p:cSld>
@@ -4219,7 +4224,7 @@
           <p:cNvPr id="2" name="Title 1">
             <a:extLst>
               <a:ext uri="{FF2B5EF4-FFF2-40B4-BE49-F238E27FC236}">
-                <a16:creationId xmlns:a16="http://schemas.microsoft.com/office/drawing/2014/main" id="{4C37A9A8-AC6D-4A2B-9CD2-9DD14A8B6362}"/>
+                <a16:creationId xmlns:a16="http://schemas.microsoft.com/office/drawing/2014/main" id="{3DD960E9-1524-48C3-B4CC-EB4DFDD75D10}"/>
               </a:ext>
             </a:extLst>
           </p:cNvPr>
@@ -4230,24 +4235,29 @@
             <p:ph type="title"/>
           </p:nvPr>
         </p:nvSpPr>
-        <p:spPr/>
+        <p:spPr>
+          <a:xfrm>
+            <a:off x="1451579" y="804519"/>
+            <a:ext cx="9603275" cy="1049235"/>
+          </a:xfrm>
+        </p:spPr>
         <p:txBody>
           <a:bodyPr/>
           <a:lstStyle/>
           <a:p>
             <a:r>
               <a:rPr lang="en-US" dirty="0"/>
-              <a:t>Database use case diagram </a:t>
+              <a:t>Use case diagram 3</a:t>
             </a:r>
           </a:p>
         </p:txBody>
       </p:sp>
       <p:pic>
         <p:nvPicPr>
-          <p:cNvPr id="7" name="Content Placeholder 6">
+          <p:cNvPr id="6" name="Content Placeholder 5">
             <a:extLst>
               <a:ext uri="{FF2B5EF4-FFF2-40B4-BE49-F238E27FC236}">
-                <a16:creationId xmlns:a16="http://schemas.microsoft.com/office/drawing/2014/main" id="{85D2513D-496F-4838-A74D-A109E0562E73}"/>
+                <a16:creationId xmlns:a16="http://schemas.microsoft.com/office/drawing/2014/main" id="{EA52426E-5140-46FE-BAD3-AF54CC006819}"/>
               </a:ext>
             </a:extLst>
           </p:cNvPr>
@@ -4266,15 +4276,15 @@
         </p:blipFill>
         <p:spPr>
           <a:xfrm>
-            <a:off x="2312894" y="2016125"/>
-            <a:ext cx="7574361" cy="3449638"/>
+            <a:off x="2466744" y="2016125"/>
+            <a:ext cx="7572836" cy="3449638"/>
           </a:xfrm>
         </p:spPr>
       </p:pic>
     </p:spTree>
     <p:extLst>
       <p:ext uri="{BB962C8B-B14F-4D97-AF65-F5344CB8AC3E}">
-        <p14:creationId xmlns:p14="http://schemas.microsoft.com/office/powerpoint/2010/main" val="1355400158"/>
+        <p14:creationId xmlns:p14="http://schemas.microsoft.com/office/powerpoint/2010/main" val="2227317300"/>
       </p:ext>
     </p:extLst>
   </p:cSld>
